--- a/Textbooks/E. C. George Sudarshan.pptx
+++ b/Textbooks/E. C. George Sudarshan.pptx
@@ -506,7 +506,7 @@
             </a:r>
             <a:br/>
             <a:r>
-              <a:t>E. C. George Sudarshan  </a:t>
+              <a:t>E. C. George Sudarshan</a:t>
             </a:r>
             <a:br/>
             <a:r>
@@ -518,43 +518,20 @@
             </a:r>
             <a:br/>
             <a:r>
-              <a:t>Knight, 2nd Edition, Chapter 27, Nuclear Fission  </a:t>
+              <a:t>Knight, College Physics: A Strategic Approach, 2nd Edition, Chapter 27, Nuclear Fission</a:t>
             </a:r>
             <a:br/>
             <a:r>
-              <a:t>  </a:t>
+              <a:t>Knight, Physics for Scientists and Engineers: A Strategic Approach with Modern Physics, 3rd Edition, Chapter 37</a:t>
             </a:r>
             <a:br/>
             <a:r>
-              <a:t># Textbook  </a:t>
+              <a:t>Knight, Physics for Scientists and Engineers: A Strategic Approach with Modern Physics, 3rd Edition, Chapter 42 </a:t>
             </a:r>
             <a:br/>
-            <a:r>
-              <a:t>  </a:t>
-            </a:r>
             <a:br/>
             <a:r>
-              <a:t>  </a:t>
-            </a:r>
-            <a:br/>
-            <a:r>
-              <a:t># Textbook  </a:t>
-            </a:r>
-            <a:br/>
-            <a:r>
-              <a:t>  </a:t>
-            </a:r>
-            <a:br/>
-            <a:r>
-              <a:t>  </a:t>
-            </a:r>
-            <a:br/>
-            <a:r>
               <a:t># Contributors  </a:t>
-            </a:r>
-            <a:br/>
-            <a:r>
-              <a:t>  </a:t>
             </a:r>
             <a:br/>
             <a:r>
